--- a/projectmanagement/presentations/2_Auto-B-Day_Konzept.pptx
+++ b/projectmanagement/presentations/2_Auto-B-Day_Konzept.pptx
@@ -2871,7 +2871,7 @@
           <a:p>
             <a:fld id="{E79B2E80-2F6A-4DA4-B3C0-41493247AAD8}" type="datetimeFigureOut">
               <a:rPr lang="de-DE" smtClean="0"/>
-              <a:t>27.11.11</a:t>
+              <a:t>28.11.2011</a:t>
             </a:fld>
             <a:endParaRPr lang="de-DE"/>
           </a:p>
@@ -3156,7 +3156,7 @@
           <a:p>
             <a:fld id="{E79B2E80-2F6A-4DA4-B3C0-41493247AAD8}" type="datetimeFigureOut">
               <a:rPr lang="de-DE" smtClean="0"/>
-              <a:t>27.11.11</a:t>
+              <a:t>28.11.2011</a:t>
             </a:fld>
             <a:endParaRPr lang="de-DE"/>
           </a:p>
@@ -3331,7 +3331,7 @@
           <a:p>
             <a:fld id="{E79B2E80-2F6A-4DA4-B3C0-41493247AAD8}" type="datetimeFigureOut">
               <a:rPr lang="de-DE" smtClean="0"/>
-              <a:t>27.11.11</a:t>
+              <a:t>28.11.2011</a:t>
             </a:fld>
             <a:endParaRPr lang="de-DE"/>
           </a:p>
@@ -3496,7 +3496,7 @@
           <a:p>
             <a:fld id="{E79B2E80-2F6A-4DA4-B3C0-41493247AAD8}" type="datetimeFigureOut">
               <a:rPr lang="de-DE" smtClean="0"/>
-              <a:t>27.11.11</a:t>
+              <a:t>28.11.2011</a:t>
             </a:fld>
             <a:endParaRPr lang="de-DE"/>
           </a:p>
@@ -3737,7 +3737,7 @@
           <a:p>
             <a:fld id="{E79B2E80-2F6A-4DA4-B3C0-41493247AAD8}" type="datetimeFigureOut">
               <a:rPr lang="de-DE" smtClean="0"/>
-              <a:t>27.11.11</a:t>
+              <a:t>28.11.2011</a:t>
             </a:fld>
             <a:endParaRPr lang="de-DE"/>
           </a:p>
@@ -3850,7 +3850,7 @@
           <a:p>
             <a:fld id="{E79B2E80-2F6A-4DA4-B3C0-41493247AAD8}" type="datetimeFigureOut">
               <a:rPr lang="de-DE" smtClean="0"/>
-              <a:t>27.11.11</a:t>
+              <a:t>28.11.2011</a:t>
             </a:fld>
             <a:endParaRPr lang="de-DE"/>
           </a:p>
@@ -4389,7 +4389,7 @@
           <a:p>
             <a:fld id="{E79B2E80-2F6A-4DA4-B3C0-41493247AAD8}" type="datetimeFigureOut">
               <a:rPr lang="de-DE" smtClean="0"/>
-              <a:t>27.11.11</a:t>
+              <a:t>28.11.2011</a:t>
             </a:fld>
             <a:endParaRPr lang="de-DE"/>
           </a:p>
@@ -4502,7 +4502,7 @@
           <a:p>
             <a:fld id="{E79B2E80-2F6A-4DA4-B3C0-41493247AAD8}" type="datetimeFigureOut">
               <a:rPr lang="de-DE" smtClean="0"/>
-              <a:t>27.11.11</a:t>
+              <a:t>28.11.2011</a:t>
             </a:fld>
             <a:endParaRPr lang="de-DE"/>
           </a:p>
@@ -4592,7 +4592,7 @@
           <a:p>
             <a:fld id="{E79B2E80-2F6A-4DA4-B3C0-41493247AAD8}" type="datetimeFigureOut">
               <a:rPr lang="de-DE" smtClean="0"/>
-              <a:t>27.11.11</a:t>
+              <a:t>28.11.2011</a:t>
             </a:fld>
             <a:endParaRPr lang="de-DE"/>
           </a:p>
@@ -7243,7 +7243,7 @@
           <a:p>
             <a:fld id="{E79B2E80-2F6A-4DA4-B3C0-41493247AAD8}" type="datetimeFigureOut">
               <a:rPr lang="de-DE" smtClean="0"/>
-              <a:t>27.11.11</a:t>
+              <a:t>28.11.2011</a:t>
             </a:fld>
             <a:endParaRPr lang="de-DE"/>
           </a:p>
@@ -10455,7 +10455,7 @@
           <a:p>
             <a:fld id="{E79B2E80-2F6A-4DA4-B3C0-41493247AAD8}" type="datetimeFigureOut">
               <a:rPr lang="de-DE" smtClean="0"/>
-              <a:t>27.11.11</a:t>
+              <a:t>28.11.2011</a:t>
             </a:fld>
             <a:endParaRPr lang="de-DE"/>
           </a:p>
@@ -13277,7 +13277,7 @@
           <a:p>
             <a:fld id="{E79B2E80-2F6A-4DA4-B3C0-41493247AAD8}" type="datetimeFigureOut">
               <a:rPr lang="de-DE" smtClean="0"/>
-              <a:t>27.11.11</a:t>
+              <a:t>28.11.2011</a:t>
             </a:fld>
             <a:endParaRPr lang="de-DE"/>
           </a:p>
@@ -13893,6 +13893,13 @@
   <p:clrMapOvr>
     <a:masterClrMapping/>
   </p:clrMapOvr>
+  <p:timing>
+    <p:tnLst>
+      <p:par>
+        <p:cTn id="1" dur="indefinite" restart="never" nodeType="tmRoot"/>
+      </p:par>
+    </p:tnLst>
+  </p:timing>
 </p:sld>
 </file>
 
@@ -13989,7 +13996,6 @@
               <a:rPr lang="de-DE" dirty="0" smtClean="0"/>
               <a:t>Datenbank</a:t>
             </a:r>
-            <a:endParaRPr lang="de-DE" dirty="0" smtClean="0"/>
           </a:p>
         </p:txBody>
       </p:sp>
@@ -14003,6 +14009,13 @@
   <p:clrMapOvr>
     <a:masterClrMapping/>
   </p:clrMapOvr>
+  <p:timing>
+    <p:tnLst>
+      <p:par>
+        <p:cTn id="1" dur="indefinite" restart="never" nodeType="tmRoot"/>
+      </p:par>
+    </p:tnLst>
+  </p:timing>
 </p:sld>
 </file>
 
@@ -14105,6 +14118,13 @@
   <p:clrMapOvr>
     <a:masterClrMapping/>
   </p:clrMapOvr>
+  <p:timing>
+    <p:tnLst>
+      <p:par>
+        <p:cTn id="1" dur="indefinite" restart="never" nodeType="tmRoot"/>
+      </p:par>
+    </p:tnLst>
+  </p:timing>
 </p:sld>
 </file>
 
@@ -14207,6 +14227,13 @@
   <p:clrMapOvr>
     <a:masterClrMapping/>
   </p:clrMapOvr>
+  <p:timing>
+    <p:tnLst>
+      <p:par>
+        <p:cTn id="1" dur="indefinite" restart="never" nodeType="tmRoot"/>
+      </p:par>
+    </p:tnLst>
+  </p:timing>
 </p:sld>
 </file>
 
@@ -14289,6 +14316,13 @@
   <p:clrMapOvr>
     <a:masterClrMapping/>
   </p:clrMapOvr>
+  <p:timing>
+    <p:tnLst>
+      <p:par>
+        <p:cTn id="1" dur="indefinite" restart="never" nodeType="tmRoot"/>
+      </p:par>
+    </p:tnLst>
+  </p:timing>
 </p:sld>
 </file>
 
@@ -14309,6 +14343,70 @@
           <a:chExt cx="0" cy="0"/>
         </a:xfrm>
       </p:grpSpPr>
+      <p:pic>
+        <p:nvPicPr>
+          <p:cNvPr id="1026" name="Picture 2"/>
+          <p:cNvPicPr>
+            <a:picLocks noChangeAspect="1" noChangeArrowheads="1"/>
+          </p:cNvPicPr>
+          <p:nvPr/>
+        </p:nvPicPr>
+        <p:blipFill>
+          <a:blip r:embed="rId2">
+            <a:extLst>
+              <a:ext uri="{28A0092B-C50C-407E-A947-70E740481C1C}">
+                <a14:useLocalDpi xmlns:a14="http://schemas.microsoft.com/office/drawing/2010/main" val="0"/>
+              </a:ext>
+            </a:extLst>
+          </a:blip>
+          <a:srcRect/>
+          <a:stretch>
+            <a:fillRect/>
+          </a:stretch>
+        </p:blipFill>
+        <p:spPr bwMode="auto">
+          <a:xfrm>
+            <a:off x="1979712" y="836712"/>
+            <a:ext cx="5760641" cy="5616624"/>
+          </a:xfrm>
+          <a:prstGeom prst="rect">
+            <a:avLst/>
+          </a:prstGeom>
+          <a:noFill/>
+          <a:ln>
+            <a:noFill/>
+          </a:ln>
+          <a:effectLst/>
+          <a:extLst>
+            <a:ext uri="{909E8E84-426E-40DD-AFC4-6F175D3DCCD1}">
+              <a14:hiddenFill xmlns:a14="http://schemas.microsoft.com/office/drawing/2010/main">
+                <a:solidFill>
+                  <a:schemeClr val="accent1"/>
+                </a:solidFill>
+              </a14:hiddenFill>
+            </a:ext>
+            <a:ext uri="{91240B29-F687-4F45-9708-019B960494DF}">
+              <a14:hiddenLine xmlns:a14="http://schemas.microsoft.com/office/drawing/2010/main" w="9525">
+                <a:solidFill>
+                  <a:schemeClr val="tx1"/>
+                </a:solidFill>
+                <a:miter lim="800000"/>
+                <a:headEnd/>
+                <a:tailEnd/>
+              </a14:hiddenLine>
+            </a:ext>
+            <a:ext uri="{AF507438-7753-43E0-B8FC-AC1667EBCBE1}">
+              <a14:hiddenEffects xmlns:a14="http://schemas.microsoft.com/office/drawing/2010/main">
+                <a:effectLst>
+                  <a:outerShdw dist="35921" dir="2700000" algn="ctr" rotWithShape="0">
+                    <a:schemeClr val="bg2"/>
+                  </a:outerShdw>
+                </a:effectLst>
+              </a14:hiddenEffects>
+            </a:ext>
+          </a:extLst>
+        </p:spPr>
+      </p:pic>
       <p:sp>
         <p:nvSpPr>
           <p:cNvPr id="2" name="Titel 1"/>
@@ -14341,25 +14439,6 @@
           </a:p>
         </p:txBody>
       </p:sp>
-      <p:sp>
-        <p:nvSpPr>
-          <p:cNvPr id="3" name="Inhaltsplatzhalter 2"/>
-          <p:cNvSpPr>
-            <a:spLocks noGrp="1"/>
-          </p:cNvSpPr>
-          <p:nvPr>
-            <p:ph idx="1"/>
-          </p:nvPr>
-        </p:nvSpPr>
-        <p:spPr/>
-        <p:txBody>
-          <a:bodyPr/>
-          <a:lstStyle/>
-          <a:p>
-            <a:endParaRPr lang="de-DE"/>
-          </a:p>
-        </p:txBody>
-      </p:sp>
     </p:spTree>
     <p:extLst>
       <p:ext uri="{BB962C8B-B14F-4D97-AF65-F5344CB8AC3E}">
@@ -14370,6 +14449,13 @@
   <p:clrMapOvr>
     <a:masterClrMapping/>
   </p:clrMapOvr>
+  <p:timing>
+    <p:tnLst>
+      <p:par>
+        <p:cTn id="1" dur="indefinite" restart="never" nodeType="tmRoot"/>
+      </p:par>
+    </p:tnLst>
+  </p:timing>
 </p:sld>
 </file>
 
@@ -14457,6 +14543,13 @@
   <p:clrMapOvr>
     <a:masterClrMapping/>
   </p:clrMapOvr>
+  <p:timing>
+    <p:tnLst>
+      <p:par>
+        <p:cTn id="1" dur="indefinite" restart="never" nodeType="tmRoot"/>
+      </p:par>
+    </p:tnLst>
+  </p:timing>
 </p:sld>
 </file>
 
@@ -14554,6 +14647,13 @@
   <p:clrMapOvr>
     <a:masterClrMapping/>
   </p:clrMapOvr>
+  <p:timing>
+    <p:tnLst>
+      <p:par>
+        <p:cTn id="1" dur="indefinite" restart="never" nodeType="tmRoot"/>
+      </p:par>
+    </p:tnLst>
+  </p:timing>
 </p:sld>
 </file>
 
